--- a/Session-03-ITS2_Symbiodiniaceae_workflow_in_R_and_RStudio/Session-03-02-Ecological-statistics-reitration.pptx
+++ b/Session-03-ITS2_Symbiodiniaceae_workflow_in_R_and_RStudio/Session-03-02-Ecological-statistics-reitration.pptx
@@ -130,7 +130,7 @@
 <file path=ppt/revisionInfo.xml><?xml version="1.0" encoding="utf-8"?>
 <p1510:revInfo xmlns:a="http://schemas.openxmlformats.org/drawingml/2006/main" xmlns:r="http://schemas.openxmlformats.org/officeDocument/2006/relationships" xmlns:p1510="http://schemas.microsoft.com/office/powerpoint/2015/10/main">
   <p1510:revLst>
-    <p1510:client id="{24251DC9-E58B-47E7-A9E3-2E8AE0D45055}" v="199" dt="2023-11-08T12:41:53.930"/>
+    <p1510:client id="{24251DC9-E58B-47E7-A9E3-2E8AE0D45055}" v="205" dt="2023-11-10T11:02:17.802"/>
   </p1510:revLst>
 </p1510:revInfo>
 </file>
@@ -140,7 +140,7 @@
   <pc:docChgLst>
     <pc:chgData name="John Bennedick Quijano" userId="edb3d445-3dba-4f62-8077-bafdc7822d72" providerId="ADAL" clId="{24251DC9-E58B-47E7-A9E3-2E8AE0D45055}"/>
     <pc:docChg chg="custSel addSld modSld sldOrd">
-      <pc:chgData name="John Bennedick Quijano" userId="edb3d445-3dba-4f62-8077-bafdc7822d72" providerId="ADAL" clId="{24251DC9-E58B-47E7-A9E3-2E8AE0D45055}" dt="2023-11-08T12:41:53.930" v="249"/>
+      <pc:chgData name="John Bennedick Quijano" userId="edb3d445-3dba-4f62-8077-bafdc7822d72" providerId="ADAL" clId="{24251DC9-E58B-47E7-A9E3-2E8AE0D45055}" dt="2023-11-10T11:02:17.802" v="256"/>
       <pc:docMkLst>
         <pc:docMk/>
       </pc:docMkLst>
@@ -210,6 +210,52 @@
             <pc:docMk/>
             <pc:sldMk cId="1542441515" sldId="259"/>
             <ac:picMk id="34" creationId="{27D4E2DD-C3BE-4219-AD79-CDFE4EF3D5E9}"/>
+          </ac:picMkLst>
+        </pc:picChg>
+      </pc:sldChg>
+      <pc:sldChg chg="addSp delSp modSp">
+        <pc:chgData name="John Bennedick Quijano" userId="edb3d445-3dba-4f62-8077-bafdc7822d72" providerId="ADAL" clId="{24251DC9-E58B-47E7-A9E3-2E8AE0D45055}" dt="2023-11-10T11:02:15.563" v="254"/>
+        <pc:sldMkLst>
+          <pc:docMk/>
+          <pc:sldMk cId="1853058795" sldId="260"/>
+        </pc:sldMkLst>
+        <pc:picChg chg="add mod">
+          <ac:chgData name="John Bennedick Quijano" userId="edb3d445-3dba-4f62-8077-bafdc7822d72" providerId="ADAL" clId="{24251DC9-E58B-47E7-A9E3-2E8AE0D45055}" dt="2023-11-10T11:02:15.563" v="254"/>
+          <ac:picMkLst>
+            <pc:docMk/>
+            <pc:sldMk cId="1853058795" sldId="260"/>
+            <ac:picMk id="2" creationId="{EE8ACDDC-4FB7-BE73-0D35-A8486804D3FA}"/>
+          </ac:picMkLst>
+        </pc:picChg>
+        <pc:picChg chg="del">
+          <ac:chgData name="John Bennedick Quijano" userId="edb3d445-3dba-4f62-8077-bafdc7822d72" providerId="ADAL" clId="{24251DC9-E58B-47E7-A9E3-2E8AE0D45055}" dt="2023-11-10T11:02:14.873" v="253" actId="478"/>
+          <ac:picMkLst>
+            <pc:docMk/>
+            <pc:sldMk cId="1853058795" sldId="260"/>
+            <ac:picMk id="10" creationId="{408A2667-9295-48B0-8EF2-C1D12485FFEB}"/>
+          </ac:picMkLst>
+        </pc:picChg>
+      </pc:sldChg>
+      <pc:sldChg chg="addSp delSp modSp">
+        <pc:chgData name="John Bennedick Quijano" userId="edb3d445-3dba-4f62-8077-bafdc7822d72" providerId="ADAL" clId="{24251DC9-E58B-47E7-A9E3-2E8AE0D45055}" dt="2023-11-10T11:02:17.802" v="256"/>
+        <pc:sldMkLst>
+          <pc:docMk/>
+          <pc:sldMk cId="775456819" sldId="261"/>
+        </pc:sldMkLst>
+        <pc:picChg chg="add mod">
+          <ac:chgData name="John Bennedick Quijano" userId="edb3d445-3dba-4f62-8077-bafdc7822d72" providerId="ADAL" clId="{24251DC9-E58B-47E7-A9E3-2E8AE0D45055}" dt="2023-11-10T11:02:17.802" v="256"/>
+          <ac:picMkLst>
+            <pc:docMk/>
+            <pc:sldMk cId="775456819" sldId="261"/>
+            <ac:picMk id="2" creationId="{FF2E93A9-C24C-EFA5-AACD-552E6F4172CD}"/>
+          </ac:picMkLst>
+        </pc:picChg>
+        <pc:picChg chg="del">
+          <ac:chgData name="John Bennedick Quijano" userId="edb3d445-3dba-4f62-8077-bafdc7822d72" providerId="ADAL" clId="{24251DC9-E58B-47E7-A9E3-2E8AE0D45055}" dt="2023-11-10T11:02:17.619" v="255" actId="478"/>
+          <ac:picMkLst>
+            <pc:docMk/>
+            <pc:sldMk cId="775456819" sldId="261"/>
+            <ac:picMk id="12" creationId="{266A5F52-4C49-4AB8-9579-682921681A38}"/>
           </ac:picMkLst>
         </pc:picChg>
       </pc:sldChg>
@@ -329,6 +375,29 @@
         </pc:picChg>
       </pc:sldChg>
       <pc:sldChg chg="addSp delSp modSp">
+        <pc:chgData name="John Bennedick Quijano" userId="edb3d445-3dba-4f62-8077-bafdc7822d72" providerId="ADAL" clId="{24251DC9-E58B-47E7-A9E3-2E8AE0D45055}" dt="2023-11-10T11:02:13.471" v="252"/>
+        <pc:sldMkLst>
+          <pc:docMk/>
+          <pc:sldMk cId="1856131142" sldId="268"/>
+        </pc:sldMkLst>
+        <pc:picChg chg="add mod">
+          <ac:chgData name="John Bennedick Quijano" userId="edb3d445-3dba-4f62-8077-bafdc7822d72" providerId="ADAL" clId="{24251DC9-E58B-47E7-A9E3-2E8AE0D45055}" dt="2023-11-10T11:02:13.471" v="252"/>
+          <ac:picMkLst>
+            <pc:docMk/>
+            <pc:sldMk cId="1856131142" sldId="268"/>
+            <ac:picMk id="2" creationId="{44E49756-EE7A-4585-84E1-A7B0931A1A62}"/>
+          </ac:picMkLst>
+        </pc:picChg>
+        <pc:picChg chg="del">
+          <ac:chgData name="John Bennedick Quijano" userId="edb3d445-3dba-4f62-8077-bafdc7822d72" providerId="ADAL" clId="{24251DC9-E58B-47E7-A9E3-2E8AE0D45055}" dt="2023-11-10T11:02:11.502" v="251" actId="478"/>
+          <ac:picMkLst>
+            <pc:docMk/>
+            <pc:sldMk cId="1856131142" sldId="268"/>
+            <ac:picMk id="25" creationId="{96165550-8E1C-44A0-ABD2-AFA5153589FA}"/>
+          </ac:picMkLst>
+        </pc:picChg>
+      </pc:sldChg>
+      <pc:sldChg chg="addSp delSp modSp">
         <pc:chgData name="John Bennedick Quijano" userId="edb3d445-3dba-4f62-8077-bafdc7822d72" providerId="ADAL" clId="{24251DC9-E58B-47E7-A9E3-2E8AE0D45055}" dt="2023-11-08T12:41:22.998" v="233"/>
         <pc:sldMkLst>
           <pc:docMk/>
@@ -352,13 +421,13 @@
         </pc:picChg>
       </pc:sldChg>
       <pc:sldChg chg="addSp delSp modSp add mod ord setBg">
-        <pc:chgData name="John Bennedick Quijano" userId="edb3d445-3dba-4f62-8077-bafdc7822d72" providerId="ADAL" clId="{24251DC9-E58B-47E7-A9E3-2E8AE0D45055}" dt="2023-11-08T12:41:07.079" v="179" actId="14100"/>
+        <pc:chgData name="John Bennedick Quijano" userId="edb3d445-3dba-4f62-8077-bafdc7822d72" providerId="ADAL" clId="{24251DC9-E58B-47E7-A9E3-2E8AE0D45055}" dt="2023-11-09T09:38:27.603" v="250" actId="1076"/>
         <pc:sldMkLst>
           <pc:docMk/>
           <pc:sldMk cId="240975515" sldId="270"/>
         </pc:sldMkLst>
         <pc:spChg chg="mod">
-          <ac:chgData name="John Bennedick Quijano" userId="edb3d445-3dba-4f62-8077-bafdc7822d72" providerId="ADAL" clId="{24251DC9-E58B-47E7-A9E3-2E8AE0D45055}" dt="2023-11-08T12:40:36.363" v="52" actId="1076"/>
+          <ac:chgData name="John Bennedick Quijano" userId="edb3d445-3dba-4f62-8077-bafdc7822d72" providerId="ADAL" clId="{24251DC9-E58B-47E7-A9E3-2E8AE0D45055}" dt="2023-11-09T09:38:27.603" v="250" actId="1076"/>
           <ac:spMkLst>
             <pc:docMk/>
             <pc:sldMk cId="240975515" sldId="270"/>
@@ -493,7 +562,7 @@
           <a:p>
             <a:fld id="{69F6D197-1A69-4747-A94E-EA39EEE94B28}" type="datetimeFigureOut">
               <a:rPr lang="en-PH" smtClean="0"/>
-              <a:t>08/11/2023</a:t>
+              <a:t>10/11/2023</a:t>
             </a:fld>
             <a:endParaRPr lang="en-PH"/>
           </a:p>
@@ -1124,7 +1193,7 @@
           <a:p>
             <a:fld id="{CEC27E43-7941-4304-ADAD-00C73980A2AA}" type="datetimeFigureOut">
               <a:rPr lang="en-PH" smtClean="0"/>
-              <a:t>08/11/2023</a:t>
+              <a:t>10/11/2023</a:t>
             </a:fld>
             <a:endParaRPr lang="en-PH"/>
           </a:p>
@@ -1324,7 +1393,7 @@
           <a:p>
             <a:fld id="{CEC27E43-7941-4304-ADAD-00C73980A2AA}" type="datetimeFigureOut">
               <a:rPr lang="en-PH" smtClean="0"/>
-              <a:t>08/11/2023</a:t>
+              <a:t>10/11/2023</a:t>
             </a:fld>
             <a:endParaRPr lang="en-PH"/>
           </a:p>
@@ -1534,7 +1603,7 @@
           <a:p>
             <a:fld id="{CEC27E43-7941-4304-ADAD-00C73980A2AA}" type="datetimeFigureOut">
               <a:rPr lang="en-PH" smtClean="0"/>
-              <a:t>08/11/2023</a:t>
+              <a:t>10/11/2023</a:t>
             </a:fld>
             <a:endParaRPr lang="en-PH"/>
           </a:p>
@@ -1734,7 +1803,7 @@
           <a:p>
             <a:fld id="{CEC27E43-7941-4304-ADAD-00C73980A2AA}" type="datetimeFigureOut">
               <a:rPr lang="en-PH" smtClean="0"/>
-              <a:t>08/11/2023</a:t>
+              <a:t>10/11/2023</a:t>
             </a:fld>
             <a:endParaRPr lang="en-PH"/>
           </a:p>
@@ -2010,7 +2079,7 @@
           <a:p>
             <a:fld id="{CEC27E43-7941-4304-ADAD-00C73980A2AA}" type="datetimeFigureOut">
               <a:rPr lang="en-PH" smtClean="0"/>
-              <a:t>08/11/2023</a:t>
+              <a:t>10/11/2023</a:t>
             </a:fld>
             <a:endParaRPr lang="en-PH"/>
           </a:p>
@@ -2278,7 +2347,7 @@
           <a:p>
             <a:fld id="{CEC27E43-7941-4304-ADAD-00C73980A2AA}" type="datetimeFigureOut">
               <a:rPr lang="en-PH" smtClean="0"/>
-              <a:t>08/11/2023</a:t>
+              <a:t>10/11/2023</a:t>
             </a:fld>
             <a:endParaRPr lang="en-PH"/>
           </a:p>
@@ -2693,7 +2762,7 @@
           <a:p>
             <a:fld id="{CEC27E43-7941-4304-ADAD-00C73980A2AA}" type="datetimeFigureOut">
               <a:rPr lang="en-PH" smtClean="0"/>
-              <a:t>08/11/2023</a:t>
+              <a:t>10/11/2023</a:t>
             </a:fld>
             <a:endParaRPr lang="en-PH"/>
           </a:p>
@@ -2835,7 +2904,7 @@
           <a:p>
             <a:fld id="{CEC27E43-7941-4304-ADAD-00C73980A2AA}" type="datetimeFigureOut">
               <a:rPr lang="en-PH" smtClean="0"/>
-              <a:t>08/11/2023</a:t>
+              <a:t>10/11/2023</a:t>
             </a:fld>
             <a:endParaRPr lang="en-PH"/>
           </a:p>
@@ -2948,7 +3017,7 @@
           <a:p>
             <a:fld id="{CEC27E43-7941-4304-ADAD-00C73980A2AA}" type="datetimeFigureOut">
               <a:rPr lang="en-PH" smtClean="0"/>
-              <a:t>08/11/2023</a:t>
+              <a:t>10/11/2023</a:t>
             </a:fld>
             <a:endParaRPr lang="en-PH"/>
           </a:p>
@@ -3261,7 +3330,7 @@
           <a:p>
             <a:fld id="{CEC27E43-7941-4304-ADAD-00C73980A2AA}" type="datetimeFigureOut">
               <a:rPr lang="en-PH" smtClean="0"/>
-              <a:t>08/11/2023</a:t>
+              <a:t>10/11/2023</a:t>
             </a:fld>
             <a:endParaRPr lang="en-PH"/>
           </a:p>
@@ -3550,7 +3619,7 @@
           <a:p>
             <a:fld id="{CEC27E43-7941-4304-ADAD-00C73980A2AA}" type="datetimeFigureOut">
               <a:rPr lang="en-PH" smtClean="0"/>
-              <a:t>08/11/2023</a:t>
+              <a:t>10/11/2023</a:t>
             </a:fld>
             <a:endParaRPr lang="en-PH"/>
           </a:p>
@@ -3793,7 +3862,7 @@
           <a:p>
             <a:fld id="{CEC27E43-7941-4304-ADAD-00C73980A2AA}" type="datetimeFigureOut">
               <a:rPr lang="en-PH" smtClean="0"/>
-              <a:t>08/11/2023</a:t>
+              <a:t>10/11/2023</a:t>
             </a:fld>
             <a:endParaRPr lang="en-PH"/>
           </a:p>
@@ -4236,7 +4305,7 @@
         </p:nvSpPr>
         <p:spPr>
           <a:xfrm>
-            <a:off x="838200" y="2103437"/>
+            <a:off x="838200" y="2337193"/>
             <a:ext cx="10515600" cy="1325563"/>
           </a:xfrm>
         </p:spPr>
@@ -5172,87 +5241,6 @@
           </a:p>
         </p:txBody>
       </p:sp>
-      <p:pic>
-        <p:nvPicPr>
-          <p:cNvPr id="25" name="Picture 6" descr="Walang paglalarawan ng litrato na available.">
-            <a:extLst>
-              <a:ext uri="{FF2B5EF4-FFF2-40B4-BE49-F238E27FC236}">
-                <a16:creationId xmlns:a16="http://schemas.microsoft.com/office/drawing/2014/main" id="{96165550-8E1C-44A0-ABD2-AFA5153589FA}"/>
-              </a:ext>
-            </a:extLst>
-          </p:cNvPr>
-          <p:cNvPicPr>
-            <a:picLocks noChangeAspect="1" noChangeArrowheads="1"/>
-          </p:cNvPicPr>
-          <p:nvPr/>
-        </p:nvPicPr>
-        <p:blipFill>
-          <a:blip r:embed="rId2">
-            <a:alphaModFix amt="40000"/>
-            <a:extLst>
-              <a:ext uri="{BEBA8EAE-BF5A-486C-A8C5-ECC9F3942E4B}">
-                <a14:imgProps xmlns:a14="http://schemas.microsoft.com/office/drawing/2010/main">
-                  <a14:imgLayer r:embed="rId3">
-                    <a14:imgEffect>
-                      <a14:backgroundRemoval t="9767" b="89767" l="4186" r="90047">
-                        <a14:foregroundMark x1="8279" y1="55907" x2="8279" y2="55907"/>
-                        <a14:foregroundMark x1="4279" y1="53116" x2="4279" y2="53116"/>
-                        <a14:foregroundMark x1="90047" y1="45395" x2="90047" y2="45395"/>
-                        <a14:backgroundMark x1="22698" y1="33395" x2="26233" y2="29209"/>
-                        <a14:backgroundMark x1="65209" y1="10605" x2="82326" y2="16372"/>
-                        <a14:backgroundMark x1="82326" y1="16372" x2="96744" y2="44372"/>
-                        <a14:backgroundMark x1="96744" y1="44372" x2="96093" y2="59814"/>
-                        <a14:backgroundMark x1="96093" y1="59814" x2="90791" y2="74791"/>
-                        <a14:backgroundMark x1="90791" y1="74791" x2="77488" y2="82977"/>
-                        <a14:backgroundMark x1="77488" y1="82977" x2="44651" y2="85953"/>
-                        <a14:backgroundMark x1="44651" y1="85953" x2="24744" y2="65395"/>
-                        <a14:backgroundMark x1="24744" y1="65395" x2="22512" y2="65023"/>
-                        <a14:backgroundMark x1="19535" y1="56651" x2="23907" y2="56837"/>
-                        <a14:backgroundMark x1="19163" y1="55814" x2="24558" y2="56465"/>
-                        <a14:backgroundMark x1="18884" y1="35721" x2="22884" y2="33209"/>
-                        <a14:backgroundMark x1="23070" y1="34419" x2="20837" y2="37581"/>
-                        <a14:backgroundMark x1="20837" y1="64186" x2="24744" y2="64186"/>
-                        <a14:backgroundMark x1="21767" y1="37116" x2="21767" y2="37116"/>
-                        <a14:backgroundMark x1="21209" y1="37209" x2="21209" y2="37209"/>
-                        <a14:backgroundMark x1="20558" y1="38512" x2="21488" y2="37116"/>
-                        <a14:backgroundMark x1="21395" y1="37674" x2="21395" y2="37674"/>
-                        <a14:backgroundMark x1="20930" y1="54884" x2="20930" y2="54884"/>
-                        <a14:backgroundMark x1="23349" y1="62977" x2="23349" y2="62977"/>
-                      </a14:backgroundRemoval>
-                    </a14:imgEffect>
-                  </a14:imgLayer>
-                </a14:imgProps>
-              </a:ext>
-              <a:ext uri="{28A0092B-C50C-407E-A947-70E740481C1C}">
-                <a14:useLocalDpi xmlns:a14="http://schemas.microsoft.com/office/drawing/2010/main" val="0"/>
-              </a:ext>
-            </a:extLst>
-          </a:blip>
-          <a:srcRect/>
-          <a:stretch>
-            <a:fillRect/>
-          </a:stretch>
-        </p:blipFill>
-        <p:spPr bwMode="auto">
-          <a:xfrm>
-            <a:off x="10633800" y="5503725"/>
-            <a:ext cx="1440000" cy="1440000"/>
-          </a:xfrm>
-          <a:prstGeom prst="rect">
-            <a:avLst/>
-          </a:prstGeom>
-          <a:noFill/>
-          <a:extLst>
-            <a:ext uri="{909E8E84-426E-40DD-AFC4-6F175D3DCCD1}">
-              <a14:hiddenFill xmlns:a14="http://schemas.microsoft.com/office/drawing/2010/main">
-                <a:solidFill>
-                  <a:srgbClr val="FFFFFF"/>
-                </a:solidFill>
-              </a14:hiddenFill>
-            </a:ext>
-          </a:extLst>
-        </p:spPr>
-      </p:pic>
       <p:sp>
         <p:nvSpPr>
           <p:cNvPr id="23" name="Content Placeholder 4">
@@ -5507,6 +5495,61 @@
           </a:p>
         </p:txBody>
       </p:sp>
+      <p:pic>
+        <p:nvPicPr>
+          <p:cNvPr id="2" name="Picture 2">
+            <a:extLst>
+              <a:ext uri="{FF2B5EF4-FFF2-40B4-BE49-F238E27FC236}">
+                <a16:creationId xmlns:a16="http://schemas.microsoft.com/office/drawing/2014/main" id="{44E49756-EE7A-4585-84E1-A7B0931A1A62}"/>
+              </a:ext>
+            </a:extLst>
+          </p:cNvPr>
+          <p:cNvPicPr>
+            <a:picLocks noChangeAspect="1" noChangeArrowheads="1"/>
+          </p:cNvPicPr>
+          <p:nvPr/>
+        </p:nvPicPr>
+        <p:blipFill>
+          <a:blip r:embed="rId2">
+            <a:duotone>
+              <a:prstClr val="black"/>
+              <a:srgbClr val="203864">
+                <a:tint val="45000"/>
+                <a:satMod val="400000"/>
+              </a:srgbClr>
+            </a:duotone>
+            <a:alphaModFix/>
+            <a:extLst>
+              <a:ext uri="{28A0092B-C50C-407E-A947-70E740481C1C}">
+                <a14:useLocalDpi xmlns:a14="http://schemas.microsoft.com/office/drawing/2010/main" val="0"/>
+              </a:ext>
+            </a:extLst>
+          </a:blip>
+          <a:srcRect/>
+          <a:stretch>
+            <a:fillRect/>
+          </a:stretch>
+        </p:blipFill>
+        <p:spPr bwMode="auto">
+          <a:xfrm>
+            <a:off x="10701338" y="5458644"/>
+            <a:ext cx="1175043" cy="1175043"/>
+          </a:xfrm>
+          <a:prstGeom prst="rect">
+            <a:avLst/>
+          </a:prstGeom>
+          <a:noFill/>
+          <a:extLst>
+            <a:ext uri="{909E8E84-426E-40DD-AFC4-6F175D3DCCD1}">
+              <a14:hiddenFill xmlns:a14="http://schemas.microsoft.com/office/drawing/2010/main">
+                <a:solidFill>
+                  <a:srgbClr val="FFFFFF"/>
+                </a:solidFill>
+              </a14:hiddenFill>
+            </a:ext>
+          </a:extLst>
+        </p:spPr>
+      </p:pic>
     </p:spTree>
     <p:extLst>
       <p:ext uri="{BB962C8B-B14F-4D97-AF65-F5344CB8AC3E}">
@@ -5883,10 +5926,10 @@
       </p:sp>
       <p:pic>
         <p:nvPicPr>
-          <p:cNvPr id="10" name="Picture 6" descr="Walang paglalarawan ng litrato na available.">
-            <a:extLst>
-              <a:ext uri="{FF2B5EF4-FFF2-40B4-BE49-F238E27FC236}">
-                <a16:creationId xmlns:a16="http://schemas.microsoft.com/office/drawing/2014/main" id="{408A2667-9295-48B0-8EF2-C1D12485FFEB}"/>
+          <p:cNvPr id="2" name="Picture 2">
+            <a:extLst>
+              <a:ext uri="{FF2B5EF4-FFF2-40B4-BE49-F238E27FC236}">
+                <a16:creationId xmlns:a16="http://schemas.microsoft.com/office/drawing/2014/main" id="{EE8ACDDC-4FB7-BE73-0D35-A8486804D3FA}"/>
               </a:ext>
             </a:extLst>
           </p:cNvPr>
@@ -5897,41 +5940,15 @@
         </p:nvPicPr>
         <p:blipFill>
           <a:blip r:embed="rId2">
-            <a:alphaModFix amt="40000"/>
-            <a:extLst>
-              <a:ext uri="{BEBA8EAE-BF5A-486C-A8C5-ECC9F3942E4B}">
-                <a14:imgProps xmlns:a14="http://schemas.microsoft.com/office/drawing/2010/main">
-                  <a14:imgLayer r:embed="rId3">
-                    <a14:imgEffect>
-                      <a14:backgroundRemoval t="9767" b="89767" l="4186" r="90047">
-                        <a14:foregroundMark x1="8279" y1="55907" x2="8279" y2="55907"/>
-                        <a14:foregroundMark x1="4279" y1="53116" x2="4279" y2="53116"/>
-                        <a14:foregroundMark x1="90047" y1="45395" x2="90047" y2="45395"/>
-                        <a14:backgroundMark x1="22698" y1="33395" x2="26233" y2="29209"/>
-                        <a14:backgroundMark x1="65209" y1="10605" x2="82326" y2="16372"/>
-                        <a14:backgroundMark x1="82326" y1="16372" x2="96744" y2="44372"/>
-                        <a14:backgroundMark x1="96744" y1="44372" x2="96093" y2="59814"/>
-                        <a14:backgroundMark x1="96093" y1="59814" x2="90791" y2="74791"/>
-                        <a14:backgroundMark x1="90791" y1="74791" x2="77488" y2="82977"/>
-                        <a14:backgroundMark x1="77488" y1="82977" x2="44651" y2="85953"/>
-                        <a14:backgroundMark x1="44651" y1="85953" x2="24744" y2="65395"/>
-                        <a14:backgroundMark x1="24744" y1="65395" x2="22512" y2="65023"/>
-                        <a14:backgroundMark x1="19535" y1="56651" x2="23907" y2="56837"/>
-                        <a14:backgroundMark x1="19163" y1="55814" x2="24558" y2="56465"/>
-                        <a14:backgroundMark x1="18884" y1="35721" x2="22884" y2="33209"/>
-                        <a14:backgroundMark x1="23070" y1="34419" x2="20837" y2="37581"/>
-                        <a14:backgroundMark x1="20837" y1="64186" x2="24744" y2="64186"/>
-                        <a14:backgroundMark x1="21767" y1="37116" x2="21767" y2="37116"/>
-                        <a14:backgroundMark x1="21209" y1="37209" x2="21209" y2="37209"/>
-                        <a14:backgroundMark x1="20558" y1="38512" x2="21488" y2="37116"/>
-                        <a14:backgroundMark x1="21395" y1="37674" x2="21395" y2="37674"/>
-                        <a14:backgroundMark x1="20930" y1="54884" x2="20930" y2="54884"/>
-                        <a14:backgroundMark x1="23349" y1="62977" x2="23349" y2="62977"/>
-                      </a14:backgroundRemoval>
-                    </a14:imgEffect>
-                  </a14:imgLayer>
-                </a14:imgProps>
-              </a:ext>
+            <a:duotone>
+              <a:prstClr val="black"/>
+              <a:srgbClr val="203864">
+                <a:tint val="45000"/>
+                <a:satMod val="400000"/>
+              </a:srgbClr>
+            </a:duotone>
+            <a:alphaModFix/>
+            <a:extLst>
               <a:ext uri="{28A0092B-C50C-407E-A947-70E740481C1C}">
                 <a14:useLocalDpi xmlns:a14="http://schemas.microsoft.com/office/drawing/2010/main" val="0"/>
               </a:ext>
@@ -5944,8 +5961,8 @@
         </p:blipFill>
         <p:spPr bwMode="auto">
           <a:xfrm>
-            <a:off x="10633800" y="5503725"/>
-            <a:ext cx="1440000" cy="1440000"/>
+            <a:off x="10701338" y="5458644"/>
+            <a:ext cx="1175043" cy="1175043"/>
           </a:xfrm>
           <a:prstGeom prst="rect">
             <a:avLst/>
@@ -6338,10 +6355,10 @@
       </p:sp>
       <p:pic>
         <p:nvPicPr>
-          <p:cNvPr id="12" name="Picture 6" descr="Walang paglalarawan ng litrato na available.">
-            <a:extLst>
-              <a:ext uri="{FF2B5EF4-FFF2-40B4-BE49-F238E27FC236}">
-                <a16:creationId xmlns:a16="http://schemas.microsoft.com/office/drawing/2014/main" id="{266A5F52-4C49-4AB8-9579-682921681A38}"/>
+          <p:cNvPr id="2" name="Picture 2">
+            <a:extLst>
+              <a:ext uri="{FF2B5EF4-FFF2-40B4-BE49-F238E27FC236}">
+                <a16:creationId xmlns:a16="http://schemas.microsoft.com/office/drawing/2014/main" id="{FF2E93A9-C24C-EFA5-AACD-552E6F4172CD}"/>
               </a:ext>
             </a:extLst>
           </p:cNvPr>
@@ -6352,41 +6369,15 @@
         </p:nvPicPr>
         <p:blipFill>
           <a:blip r:embed="rId2">
-            <a:alphaModFix amt="40000"/>
-            <a:extLst>
-              <a:ext uri="{BEBA8EAE-BF5A-486C-A8C5-ECC9F3942E4B}">
-                <a14:imgProps xmlns:a14="http://schemas.microsoft.com/office/drawing/2010/main">
-                  <a14:imgLayer r:embed="rId3">
-                    <a14:imgEffect>
-                      <a14:backgroundRemoval t="9767" b="89767" l="4186" r="90047">
-                        <a14:foregroundMark x1="8279" y1="55907" x2="8279" y2="55907"/>
-                        <a14:foregroundMark x1="4279" y1="53116" x2="4279" y2="53116"/>
-                        <a14:foregroundMark x1="90047" y1="45395" x2="90047" y2="45395"/>
-                        <a14:backgroundMark x1="22698" y1="33395" x2="26233" y2="29209"/>
-                        <a14:backgroundMark x1="65209" y1="10605" x2="82326" y2="16372"/>
-                        <a14:backgroundMark x1="82326" y1="16372" x2="96744" y2="44372"/>
-                        <a14:backgroundMark x1="96744" y1="44372" x2="96093" y2="59814"/>
-                        <a14:backgroundMark x1="96093" y1="59814" x2="90791" y2="74791"/>
-                        <a14:backgroundMark x1="90791" y1="74791" x2="77488" y2="82977"/>
-                        <a14:backgroundMark x1="77488" y1="82977" x2="44651" y2="85953"/>
-                        <a14:backgroundMark x1="44651" y1="85953" x2="24744" y2="65395"/>
-                        <a14:backgroundMark x1="24744" y1="65395" x2="22512" y2="65023"/>
-                        <a14:backgroundMark x1="19535" y1="56651" x2="23907" y2="56837"/>
-                        <a14:backgroundMark x1="19163" y1="55814" x2="24558" y2="56465"/>
-                        <a14:backgroundMark x1="18884" y1="35721" x2="22884" y2="33209"/>
-                        <a14:backgroundMark x1="23070" y1="34419" x2="20837" y2="37581"/>
-                        <a14:backgroundMark x1="20837" y1="64186" x2="24744" y2="64186"/>
-                        <a14:backgroundMark x1="21767" y1="37116" x2="21767" y2="37116"/>
-                        <a14:backgroundMark x1="21209" y1="37209" x2="21209" y2="37209"/>
-                        <a14:backgroundMark x1="20558" y1="38512" x2="21488" y2="37116"/>
-                        <a14:backgroundMark x1="21395" y1="37674" x2="21395" y2="37674"/>
-                        <a14:backgroundMark x1="20930" y1="54884" x2="20930" y2="54884"/>
-                        <a14:backgroundMark x1="23349" y1="62977" x2="23349" y2="62977"/>
-                      </a14:backgroundRemoval>
-                    </a14:imgEffect>
-                  </a14:imgLayer>
-                </a14:imgProps>
-              </a:ext>
+            <a:duotone>
+              <a:prstClr val="black"/>
+              <a:srgbClr val="203864">
+                <a:tint val="45000"/>
+                <a:satMod val="400000"/>
+              </a:srgbClr>
+            </a:duotone>
+            <a:alphaModFix/>
+            <a:extLst>
               <a:ext uri="{28A0092B-C50C-407E-A947-70E740481C1C}">
                 <a14:useLocalDpi xmlns:a14="http://schemas.microsoft.com/office/drawing/2010/main" val="0"/>
               </a:ext>
@@ -6399,8 +6390,8 @@
         </p:blipFill>
         <p:spPr bwMode="auto">
           <a:xfrm>
-            <a:off x="10633800" y="5503725"/>
-            <a:ext cx="1440000" cy="1440000"/>
+            <a:off x="10701338" y="5458644"/>
+            <a:ext cx="1175043" cy="1175043"/>
           </a:xfrm>
           <a:prstGeom prst="rect">
             <a:avLst/>
